--- a/03BigDataCloudPlatform/BigDataPlatform.pptx
+++ b/03BigDataCloudPlatform/BigDataPlatform.pptx
@@ -1249,6 +1249,13 @@
         </dgm:presLayoutVars>
       </dgm:prSet>
       <dgm:spPr/>
+      <dgm:t>
+        <a:bodyPr/>
+        <a:lstStyle/>
+        <a:p>
+          <a:endParaRPr lang="en-US"/>
+        </a:p>
+      </dgm:t>
     </dgm:pt>
     <dgm:pt modelId="{97C2C10B-A392-42DD-BAF4-211EEEF66F8E}" type="pres">
       <dgm:prSet presAssocID="{ECE08B63-4509-4F20-B201-D0D9656B3ADF}" presName="composite" presStyleCnt="0"/>
@@ -1298,6 +1305,13 @@
         </dgm:presLayoutVars>
       </dgm:prSet>
       <dgm:spPr/>
+      <dgm:t>
+        <a:bodyPr/>
+        <a:lstStyle/>
+        <a:p>
+          <a:endParaRPr lang="en-US"/>
+        </a:p>
+      </dgm:t>
     </dgm:pt>
     <dgm:pt modelId="{F7D418EE-DA11-48E6-90D0-93600BD91C6B}" type="pres">
       <dgm:prSet presAssocID="{ECE08B63-4509-4F20-B201-D0D9656B3ADF}" presName="Triangle" presStyleLbl="alignNode1" presStyleIdx="1" presStyleCnt="5"/>
@@ -1389,6 +1403,13 @@
         </dgm:presLayoutVars>
       </dgm:prSet>
       <dgm:spPr/>
+      <dgm:t>
+        <a:bodyPr/>
+        <a:lstStyle/>
+        <a:p>
+          <a:endParaRPr lang="en-US"/>
+        </a:p>
+      </dgm:t>
     </dgm:pt>
     <dgm:pt modelId="{993E0E90-DD96-45A3-99F2-F4D6F9E60274}" type="pres">
       <dgm:prSet presAssocID="{C82EB92D-1490-4621-809E-319C583237AD}" presName="Triangle" presStyleLbl="alignNode1" presStyleIdx="3" presStyleCnt="5"/>
@@ -1480,16 +1501,23 @@
         </dgm:presLayoutVars>
       </dgm:prSet>
       <dgm:spPr/>
+      <dgm:t>
+        <a:bodyPr/>
+        <a:lstStyle/>
+        <a:p>
+          <a:endParaRPr lang="en-US"/>
+        </a:p>
+      </dgm:t>
     </dgm:pt>
   </dgm:ptLst>
   <dgm:cxnLst>
+    <dgm:cxn modelId="{A8B720A1-0BAE-4659-8814-0E57933F5C3C}" type="presOf" srcId="{C82EB92D-1490-4621-809E-319C583237AD}" destId="{32DDEE14-2653-4A14-AFDC-23ADE1592646}" srcOrd="0" destOrd="0" presId="urn:microsoft.com/office/officeart/2009/3/layout/StepUpProcess"/>
+    <dgm:cxn modelId="{FF530B38-2AFC-4663-B84B-AD44DBDDD529}" srcId="{2A0DD8BB-79D4-43D1-8A8E-A595B731887E}" destId="{ECE08B63-4509-4F20-B201-D0D9656B3ADF}" srcOrd="0" destOrd="0" parTransId="{EB3970B9-8246-4286-A926-E13EC32BD7E5}" sibTransId="{08506DBB-D195-4D43-9C63-3CF7EECDE5BD}"/>
     <dgm:cxn modelId="{BF72300D-8A1F-4109-AF12-FE8C514386A5}" type="presOf" srcId="{ECE08B63-4509-4F20-B201-D0D9656B3ADF}" destId="{8E6443C3-E912-47E1-8C8F-F221A7B8E28F}" srcOrd="0" destOrd="0" presId="urn:microsoft.com/office/officeart/2009/3/layout/StepUpProcess"/>
-    <dgm:cxn modelId="{FF530B38-2AFC-4663-B84B-AD44DBDDD529}" srcId="{2A0DD8BB-79D4-43D1-8A8E-A595B731887E}" destId="{ECE08B63-4509-4F20-B201-D0D9656B3ADF}" srcOrd="0" destOrd="0" parTransId="{EB3970B9-8246-4286-A926-E13EC32BD7E5}" sibTransId="{08506DBB-D195-4D43-9C63-3CF7EECDE5BD}"/>
+    <dgm:cxn modelId="{750917E0-13E5-4499-AB38-B65C392F4CE6}" type="presOf" srcId="{2A0DD8BB-79D4-43D1-8A8E-A595B731887E}" destId="{5055A38C-F81D-49D2-AE5A-34A29632D586}" srcOrd="0" destOrd="0" presId="urn:microsoft.com/office/officeart/2009/3/layout/StepUpProcess"/>
     <dgm:cxn modelId="{64A6E685-C7B6-44F1-847B-58476C9A2407}" type="presOf" srcId="{EE87B1D1-E051-4CB8-9FF2-CD734B5F738A}" destId="{B46CD0E1-A028-4607-9F6C-97553BD46C6A}" srcOrd="0" destOrd="0" presId="urn:microsoft.com/office/officeart/2009/3/layout/StepUpProcess"/>
     <dgm:cxn modelId="{F70C0D9E-54F8-4CC1-853B-ED04732E4D6D}" srcId="{2A0DD8BB-79D4-43D1-8A8E-A595B731887E}" destId="{C82EB92D-1490-4621-809E-319C583237AD}" srcOrd="1" destOrd="0" parTransId="{FC56A820-9E86-4181-B3BA-93A617DCAFB9}" sibTransId="{E79B8D29-CE09-440C-A8BD-A404C9F292BC}"/>
-    <dgm:cxn modelId="{A8B720A1-0BAE-4659-8814-0E57933F5C3C}" type="presOf" srcId="{C82EB92D-1490-4621-809E-319C583237AD}" destId="{32DDEE14-2653-4A14-AFDC-23ADE1592646}" srcOrd="0" destOrd="0" presId="urn:microsoft.com/office/officeart/2009/3/layout/StepUpProcess"/>
     <dgm:cxn modelId="{AD8A00C6-0996-47B7-9232-4BCC72022AA7}" srcId="{2A0DD8BB-79D4-43D1-8A8E-A595B731887E}" destId="{EE87B1D1-E051-4CB8-9FF2-CD734B5F738A}" srcOrd="2" destOrd="0" parTransId="{38FD8792-31D5-4048-9110-E1590584A4DC}" sibTransId="{129D54A5-4B73-40A7-9002-85EBCD581881}"/>
-    <dgm:cxn modelId="{750917E0-13E5-4499-AB38-B65C392F4CE6}" type="presOf" srcId="{2A0DD8BB-79D4-43D1-8A8E-A595B731887E}" destId="{5055A38C-F81D-49D2-AE5A-34A29632D586}" srcOrd="0" destOrd="0" presId="urn:microsoft.com/office/officeart/2009/3/layout/StepUpProcess"/>
     <dgm:cxn modelId="{11403346-2BF3-4689-9B6D-22370135ADA3}" type="presParOf" srcId="{5055A38C-F81D-49D2-AE5A-34A29632D586}" destId="{97C2C10B-A392-42DD-BAF4-211EEEF66F8E}" srcOrd="0" destOrd="0" presId="urn:microsoft.com/office/officeart/2009/3/layout/StepUpProcess"/>
     <dgm:cxn modelId="{396E1689-347C-4F7B-8FD6-6986D5A27E77}" type="presParOf" srcId="{97C2C10B-A392-42DD-BAF4-211EEEF66F8E}" destId="{3341F7B2-07BE-4656-A9A7-1036AA78B275}" srcOrd="0" destOrd="0" presId="urn:microsoft.com/office/officeart/2009/3/layout/StepUpProcess"/>
     <dgm:cxn modelId="{6279B116-304F-4502-B20B-B60CC60BEEE8}" type="presParOf" srcId="{97C2C10B-A392-42DD-BAF4-211EEEF66F8E}" destId="{8E6443C3-E912-47E1-8C8F-F221A7B8E28F}" srcOrd="1" destOrd="0" presId="urn:microsoft.com/office/officeart/2009/3/layout/StepUpProcess"/>
@@ -1613,7 +1641,7 @@
         </a:bodyPr>
         <a:lstStyle/>
         <a:p>
-          <a:pPr marL="0" lvl="0" indent="0" algn="l" defTabSz="844550">
+          <a:pPr lvl="0" algn="l" defTabSz="844550">
             <a:lnSpc>
               <a:spcPct val="90000"/>
             </a:lnSpc>
@@ -1643,7 +1671,7 @@
           </a:r>
         </a:p>
         <a:p>
-          <a:pPr marL="0" lvl="0" indent="0" algn="l" defTabSz="844550">
+          <a:pPr lvl="0" algn="l" defTabSz="844550">
             <a:lnSpc>
               <a:spcPct val="90000"/>
             </a:lnSpc>
@@ -1670,7 +1698,7 @@
           </a:endParaRPr>
         </a:p>
         <a:p>
-          <a:pPr marL="0" lvl="0" indent="0" algn="l" defTabSz="844550">
+          <a:pPr lvl="0" algn="l" defTabSz="844550">
             <a:lnSpc>
               <a:spcPct val="90000"/>
             </a:lnSpc>
@@ -1848,7 +1876,7 @@
         </a:bodyPr>
         <a:lstStyle/>
         <a:p>
-          <a:pPr marL="0" lvl="0" indent="0" algn="l" defTabSz="844550">
+          <a:pPr lvl="0" algn="l" defTabSz="844550">
             <a:lnSpc>
               <a:spcPct val="90000"/>
             </a:lnSpc>
@@ -1878,7 +1906,7 @@
           </a:r>
         </a:p>
         <a:p>
-          <a:pPr marL="0" lvl="0" indent="0" algn="l" defTabSz="844550">
+          <a:pPr lvl="0" algn="l" defTabSz="844550">
             <a:lnSpc>
               <a:spcPct val="90000"/>
             </a:lnSpc>
@@ -1905,7 +1933,7 @@
           </a:endParaRPr>
         </a:p>
         <a:p>
-          <a:pPr marL="0" lvl="0" indent="0" algn="l" defTabSz="844550">
+          <a:pPr lvl="0" algn="l" defTabSz="844550">
             <a:lnSpc>
               <a:spcPct val="90000"/>
             </a:lnSpc>
@@ -2083,7 +2111,7 @@
         </a:bodyPr>
         <a:lstStyle/>
         <a:p>
-          <a:pPr marL="0" lvl="0" indent="0" algn="l" defTabSz="844550">
+          <a:pPr lvl="0" algn="l" defTabSz="844550">
             <a:lnSpc>
               <a:spcPct val="90000"/>
             </a:lnSpc>
@@ -2113,7 +2141,7 @@
           </a:r>
         </a:p>
         <a:p>
-          <a:pPr marL="0" lvl="0" indent="0" algn="l" defTabSz="844550">
+          <a:pPr lvl="0" algn="l" defTabSz="844550">
             <a:lnSpc>
               <a:spcPct val="90000"/>
             </a:lnSpc>
@@ -2140,7 +2168,7 @@
           </a:endParaRPr>
         </a:p>
         <a:p>
-          <a:pPr marL="0" lvl="0" indent="0" algn="l" defTabSz="844550">
+          <a:pPr lvl="0" algn="l" defTabSz="844550">
             <a:lnSpc>
               <a:spcPct val="90000"/>
             </a:lnSpc>
@@ -3551,7 +3579,7 @@
             <a:fld id="{D83FDC75-7F73-4A4A-A77C-09AADF00E0EA}" type="datetimeFigureOut">
               <a:rPr lang="en-US" smtClean="0"/>
               <a:pPr/>
-              <a:t>1/15/2019</a:t>
+              <a:t>5/9/2019</a:t>
             </a:fld>
             <a:endParaRPr lang="en-US" dirty="0"/>
           </a:p>
@@ -3718,7 +3746,7 @@
             <a:fld id="{48AEF76B-3757-4A0B-AF93-28494465C1DD}" type="datetimeFigureOut">
               <a:rPr lang="en-US" smtClean="0"/>
               <a:pPr/>
-              <a:t>1/15/2019</a:t>
+              <a:t>5/9/2019</a:t>
             </a:fld>
             <a:endParaRPr lang="en-US" dirty="0"/>
           </a:p>
@@ -4708,7 +4736,7 @@
             <a:fld id="{757B281C-5159-4971-8228-52B9A72E9ED2}" type="datetimeFigureOut">
               <a:rPr lang="en-US" smtClean="0"/>
               <a:pPr/>
-              <a:t>1/15/2019</a:t>
+              <a:t>5/9/2019</a:t>
             </a:fld>
             <a:endParaRPr lang="en-US" dirty="0"/>
           </a:p>
@@ -4803,7 +4831,7 @@
             <a:fld id="{757B281C-5159-4971-8228-52B9A72E9ED2}" type="datetimeFigureOut">
               <a:rPr lang="en-US" smtClean="0"/>
               <a:pPr/>
-              <a:t>1/15/2019</a:t>
+              <a:t>5/9/2019</a:t>
             </a:fld>
             <a:endParaRPr lang="en-US" dirty="0"/>
           </a:p>
@@ -4932,7 +4960,7 @@
             <a:fld id="{757B281C-5159-4971-8228-52B9A72E9ED2}" type="datetimeFigureOut">
               <a:rPr lang="en-US" smtClean="0"/>
               <a:pPr/>
-              <a:t>1/15/2019</a:t>
+              <a:t>5/9/2019</a:t>
             </a:fld>
             <a:endParaRPr lang="en-US" dirty="0"/>
           </a:p>
@@ -5130,7 +5158,7 @@
             <a:fld id="{757B281C-5159-4971-8228-52B9A72E9ED2}" type="datetimeFigureOut">
               <a:rPr lang="en-US" smtClean="0"/>
               <a:pPr/>
-              <a:t>1/15/2019</a:t>
+              <a:t>5/9/2019</a:t>
             </a:fld>
             <a:endParaRPr lang="en-US" dirty="0"/>
           </a:p>
@@ -5527,7 +5555,7 @@
             <a:fld id="{757B281C-5159-4971-8228-52B9A72E9ED2}" type="datetimeFigureOut">
               <a:rPr lang="en-US" smtClean="0"/>
               <a:pPr/>
-              <a:t>1/15/2019</a:t>
+              <a:t>5/9/2019</a:t>
             </a:fld>
             <a:endParaRPr lang="en-US" dirty="0"/>
           </a:p>
@@ -5817,7 +5845,7 @@
             <a:fld id="{757B281C-5159-4971-8228-52B9A72E9ED2}" type="datetimeFigureOut">
               <a:rPr lang="en-US" smtClean="0"/>
               <a:pPr/>
-              <a:t>1/15/2019</a:t>
+              <a:t>5/9/2019</a:t>
             </a:fld>
             <a:endParaRPr lang="en-US" dirty="0"/>
           </a:p>
@@ -6236,7 +6264,7 @@
             <a:fld id="{757B281C-5159-4971-8228-52B9A72E9ED2}" type="datetimeFigureOut">
               <a:rPr lang="en-US" smtClean="0"/>
               <a:pPr/>
-              <a:t>1/15/2019</a:t>
+              <a:t>5/9/2019</a:t>
             </a:fld>
             <a:endParaRPr lang="en-US" dirty="0"/>
           </a:p>
@@ -6511,7 +6539,7 @@
             <a:fld id="{757B281C-5159-4971-8228-52B9A72E9ED2}" type="datetimeFigureOut">
               <a:rPr lang="en-US" smtClean="0"/>
               <a:pPr/>
-              <a:t>1/15/2019</a:t>
+              <a:t>5/9/2019</a:t>
             </a:fld>
             <a:endParaRPr lang="en-US" dirty="0"/>
           </a:p>
@@ -6767,7 +6795,7 @@
             <a:fld id="{757B281C-5159-4971-8228-52B9A72E9ED2}" type="datetimeFigureOut">
               <a:rPr lang="en-US" smtClean="0"/>
               <a:pPr/>
-              <a:t>1/15/2019</a:t>
+              <a:t>5/9/2019</a:t>
             </a:fld>
             <a:endParaRPr lang="en-US" dirty="0"/>
           </a:p>
@@ -6935,7 +6963,7 @@
             <a:fld id="{757B281C-5159-4971-8228-52B9A72E9ED2}" type="datetimeFigureOut">
               <a:rPr lang="en-US" smtClean="0"/>
               <a:pPr/>
-              <a:t>1/15/2019</a:t>
+              <a:t>5/9/2019</a:t>
             </a:fld>
             <a:endParaRPr lang="en-US" dirty="0"/>
           </a:p>
@@ -7113,7 +7141,7 @@
             <a:fld id="{757B281C-5159-4971-8228-52B9A72E9ED2}" type="datetimeFigureOut">
               <a:rPr lang="en-US" smtClean="0"/>
               <a:pPr/>
-              <a:t>1/15/2019</a:t>
+              <a:t>5/9/2019</a:t>
             </a:fld>
             <a:endParaRPr lang="en-US" dirty="0"/>
           </a:p>
@@ -7355,7 +7383,7 @@
             <a:fld id="{757B281C-5159-4971-8228-52B9A72E9ED2}" type="datetimeFigureOut">
               <a:rPr lang="en-US" smtClean="0"/>
               <a:pPr/>
-              <a:t>1/15/2019</a:t>
+              <a:t>5/9/2019</a:t>
             </a:fld>
             <a:endParaRPr lang="en-US" dirty="0"/>
           </a:p>
@@ -10203,6 +10231,14 @@
               </a:rPr>
               <a:t> </a:t>
             </a:r>
+            <a:r>
+              <a:rPr lang="en-US" dirty="0">
+                <a:latin typeface="Consolas" panose="020B0609020204030204" pitchFamily="49" charset="0"/>
+                <a:ea typeface="Cambria" panose="02040503050406030204" pitchFamily="18" charset="0"/>
+                <a:cs typeface="Times New Roman" panose="02020603050405020304" pitchFamily="18" charset="0"/>
+              </a:rPr>
+              <a:t/>
+            </a:r>
             <a:br>
               <a:rPr lang="en-US" dirty="0">
                 <a:latin typeface="Consolas" panose="020B0609020204030204" pitchFamily="49" charset="0"/>
@@ -10376,6 +10412,14 @@
               </a:rPr>
               <a:t> </a:t>
             </a:r>
+            <a:r>
+              <a:rPr lang="en-US" dirty="0">
+                <a:latin typeface="Consolas" panose="020B0609020204030204" pitchFamily="49" charset="0"/>
+                <a:ea typeface="Cambria" panose="02040503050406030204" pitchFamily="18" charset="0"/>
+                <a:cs typeface="Times New Roman" panose="02020603050405020304" pitchFamily="18" charset="0"/>
+              </a:rPr>
+              <a:t/>
+            </a:r>
             <a:br>
               <a:rPr lang="en-US" dirty="0">
                 <a:latin typeface="Consolas" panose="020B0609020204030204" pitchFamily="49" charset="0"/>
@@ -10439,6 +10483,14 @@
                 <a:cs typeface="Times New Roman" panose="02020603050405020304" pitchFamily="18" charset="0"/>
               </a:rPr>
               <a:t> </a:t>
+            </a:r>
+            <a:r>
+              <a:rPr lang="en-US" dirty="0">
+                <a:latin typeface="Consolas" panose="020B0609020204030204" pitchFamily="49" charset="0"/>
+                <a:ea typeface="Cambria" panose="02040503050406030204" pitchFamily="18" charset="0"/>
+                <a:cs typeface="Times New Roman" panose="02020603050405020304" pitchFamily="18" charset="0"/>
+              </a:rPr>
+              <a:t/>
             </a:r>
             <a:br>
               <a:rPr lang="en-US" dirty="0">
@@ -11240,6 +11292,14 @@
               </a:rPr>
               <a:t> </a:t>
             </a:r>
+            <a:r>
+              <a:rPr lang="en-US" dirty="0">
+                <a:latin typeface="Consolas" panose="020B0609020204030204" pitchFamily="49" charset="0"/>
+                <a:ea typeface="Cambria" panose="02040503050406030204" pitchFamily="18" charset="0"/>
+                <a:cs typeface="Times New Roman" panose="02020603050405020304" pitchFamily="18" charset="0"/>
+              </a:rPr>
+              <a:t/>
+            </a:r>
             <a:br>
               <a:rPr lang="en-US" dirty="0">
                 <a:latin typeface="Consolas" panose="020B0609020204030204" pitchFamily="49" charset="0"/>
@@ -11285,6 +11345,14 @@
               </a:rPr>
               <a:t> </a:t>
             </a:r>
+            <a:r>
+              <a:rPr lang="en-US" dirty="0">
+                <a:latin typeface="Consolas" panose="020B0609020204030204" pitchFamily="49" charset="0"/>
+                <a:ea typeface="Cambria" panose="02040503050406030204" pitchFamily="18" charset="0"/>
+                <a:cs typeface="Times New Roman" panose="02020603050405020304" pitchFamily="18" charset="0"/>
+              </a:rPr>
+              <a:t/>
+            </a:r>
             <a:br>
               <a:rPr lang="en-US" dirty="0">
                 <a:latin typeface="Consolas" panose="020B0609020204030204" pitchFamily="49" charset="0"/>
@@ -11458,6 +11526,14 @@
               </a:rPr>
               <a:t> </a:t>
             </a:r>
+            <a:r>
+              <a:rPr lang="en-US" dirty="0">
+                <a:latin typeface="Consolas" panose="020B0609020204030204" pitchFamily="49" charset="0"/>
+                <a:ea typeface="Cambria" panose="02040503050406030204" pitchFamily="18" charset="0"/>
+                <a:cs typeface="Times New Roman" panose="02020603050405020304" pitchFamily="18" charset="0"/>
+              </a:rPr>
+              <a:t/>
+            </a:r>
             <a:br>
               <a:rPr lang="en-US" dirty="0">
                 <a:latin typeface="Consolas" panose="020B0609020204030204" pitchFamily="49" charset="0"/>
@@ -11522,6 +11598,14 @@
               </a:rPr>
               <a:t> </a:t>
             </a:r>
+            <a:r>
+              <a:rPr lang="en-US" dirty="0">
+                <a:latin typeface="Consolas" panose="020B0609020204030204" pitchFamily="49" charset="0"/>
+                <a:ea typeface="Cambria" panose="02040503050406030204" pitchFamily="18" charset="0"/>
+                <a:cs typeface="Times New Roman" panose="02020603050405020304" pitchFamily="18" charset="0"/>
+              </a:rPr>
+              <a:t/>
+            </a:r>
             <a:br>
               <a:rPr lang="en-US" dirty="0">
                 <a:latin typeface="Consolas" panose="020B0609020204030204" pitchFamily="49" charset="0"/>
@@ -11748,6 +11832,14 @@
                 <a:cs typeface="Times New Roman" panose="02020603050405020304" pitchFamily="18" charset="0"/>
               </a:rPr>
               <a:t>  </a:t>
+            </a:r>
+            <a:r>
+              <a:rPr lang="en-US" dirty="0">
+                <a:latin typeface="Consolas" panose="020B0609020204030204" pitchFamily="49" charset="0"/>
+                <a:ea typeface="Cambria" panose="02040503050406030204" pitchFamily="18" charset="0"/>
+                <a:cs typeface="Times New Roman" panose="02020603050405020304" pitchFamily="18" charset="0"/>
+              </a:rPr>
+              <a:t/>
             </a:r>
             <a:br>
               <a:rPr lang="en-US" dirty="0">
@@ -12845,6 +12937,14 @@
                 <a:spcPts val="900"/>
               </a:spcAft>
             </a:pPr>
+            <a:r>
+              <a:rPr lang="en-US" dirty="0">
+                <a:latin typeface="Consolas" panose="020B0609020204030204" pitchFamily="49" charset="0"/>
+                <a:ea typeface="Cambria" panose="02040503050406030204" pitchFamily="18" charset="0"/>
+                <a:cs typeface="Times New Roman" panose="02020603050405020304" pitchFamily="18" charset="0"/>
+              </a:rPr>
+              <a:t/>
+            </a:r>
             <a:br>
               <a:rPr lang="en-US" dirty="0">
                 <a:latin typeface="Consolas" panose="020B0609020204030204" pitchFamily="49" charset="0"/>
@@ -13194,14 +13294,24 @@
               <a:t>We can then apply the model to a specific dataset (in this case the original dataset) using </a:t>
             </a:r>
             <a:r>
-              <a:rPr lang="en-US" sz="1800" b="1" dirty="0" err="1">
+              <a:rPr lang="en-US" sz="1800" b="1" smtClean="0">
                 <a:solidFill>
                   <a:srgbClr val="204A87"/>
                 </a:solidFill>
                 <a:latin typeface="Consolas" panose="020B0609020204030204" pitchFamily="49" charset="0"/>
                 <a:cs typeface="Times New Roman" panose="02020603050405020304" pitchFamily="18" charset="0"/>
               </a:rPr>
-              <a:t>sdf_predict</a:t>
+              <a:t>ml</a:t>
+            </a:r>
+            <a:r>
+              <a:rPr lang="en-US" sz="1800" b="1" smtClean="0">
+                <a:solidFill>
+                  <a:srgbClr val="204A87"/>
+                </a:solidFill>
+                <a:latin typeface="Consolas" panose="020B0609020204030204" pitchFamily="49" charset="0"/>
+                <a:cs typeface="Times New Roman" panose="02020603050405020304" pitchFamily="18" charset="0"/>
+              </a:rPr>
+              <a:t>_predict</a:t>
             </a:r>
             <a:r>
               <a:rPr lang="en-US" sz="1800" b="1" dirty="0">
@@ -13358,6 +13468,17 @@
               <a:t>, </a:t>
             </a:r>
             <a:r>
+              <a:rPr lang="en-US" dirty="0" smtClean="0">
+                <a:solidFill>
+                  <a:srgbClr val="204A87"/>
+                </a:solidFill>
+                <a:latin typeface="Consolas" panose="020B0609020204030204" pitchFamily="49" charset="0"/>
+                <a:ea typeface="Cambria" panose="02040503050406030204" pitchFamily="18" charset="0"/>
+                <a:cs typeface="Times New Roman" panose="02020603050405020304" pitchFamily="18" charset="0"/>
+              </a:rPr>
+              <a:t>k </a:t>
+            </a:r>
+            <a:r>
               <a:rPr lang="en-US" dirty="0">
                 <a:solidFill>
                   <a:srgbClr val="204A87"/>
@@ -13366,7 +13487,7 @@
                 <a:ea typeface="Cambria" panose="02040503050406030204" pitchFamily="18" charset="0"/>
                 <a:cs typeface="Times New Roman" panose="02020603050405020304" pitchFamily="18" charset="0"/>
               </a:rPr>
-              <a:t>centers =</a:t>
+              <a:t>=</a:t>
             </a:r>
             <a:r>
               <a:rPr lang="en-US" dirty="0">
@@ -13394,6 +13515,14 @@
                 <a:cs typeface="Times New Roman" panose="02020603050405020304" pitchFamily="18" charset="0"/>
               </a:rPr>
               <a:t>, </a:t>
+            </a:r>
+            <a:r>
+              <a:rPr lang="en-US" sz="2000" dirty="0">
+                <a:latin typeface="Cambria" panose="02040503050406030204" pitchFamily="18" charset="0"/>
+                <a:ea typeface="Cambria" panose="02040503050406030204" pitchFamily="18" charset="0"/>
+                <a:cs typeface="Times New Roman" panose="02020603050405020304" pitchFamily="18" charset="0"/>
+              </a:rPr>
+              <a:t/>
             </a:r>
             <a:br>
               <a:rPr lang="en-US" sz="2000" dirty="0">
@@ -13569,7 +13698,7 @@
               <a:t> </a:t>
             </a:r>
             <a:r>
-              <a:rPr lang="en-US" b="1" dirty="0">
+              <a:rPr lang="en-US" b="1" dirty="0" smtClean="0">
                 <a:solidFill>
                   <a:srgbClr val="204A87"/>
                 </a:solidFill>
@@ -13580,31 +13709,39 @@
               <a:t>collect</a:t>
             </a:r>
             <a:r>
+              <a:rPr lang="en-US" dirty="0" smtClean="0">
+                <a:latin typeface="Consolas" panose="020B0609020204030204" pitchFamily="49" charset="0"/>
+                <a:ea typeface="Cambria" panose="02040503050406030204" pitchFamily="18" charset="0"/>
+                <a:cs typeface="Times New Roman" panose="02020603050405020304" pitchFamily="18" charset="0"/>
+              </a:rPr>
+              <a:t>(</a:t>
+            </a:r>
+            <a:r>
+              <a:rPr lang="en-US" b="1" dirty="0" err="1" smtClean="0">
+                <a:solidFill>
+                  <a:srgbClr val="204A87"/>
+                </a:solidFill>
+                <a:latin typeface="Consolas" panose="020B0609020204030204" pitchFamily="49" charset="0"/>
+                <a:ea typeface="Cambria" panose="02040503050406030204" pitchFamily="18" charset="0"/>
+                <a:cs typeface="Times New Roman" panose="02020603050405020304" pitchFamily="18" charset="0"/>
+              </a:rPr>
+              <a:t>ml_predict</a:t>
+            </a:r>
+            <a:r>
+              <a:rPr lang="en-US" dirty="0" smtClean="0">
+                <a:latin typeface="Consolas" panose="020B0609020204030204" pitchFamily="49" charset="0"/>
+                <a:ea typeface="Cambria" panose="02040503050406030204" pitchFamily="18" charset="0"/>
+                <a:cs typeface="Times New Roman" panose="02020603050405020304" pitchFamily="18" charset="0"/>
+              </a:rPr>
+              <a:t>(fit2</a:t>
+            </a:r>
+            <a:r>
               <a:rPr lang="en-US" dirty="0">
                 <a:latin typeface="Consolas" panose="020B0609020204030204" pitchFamily="49" charset="0"/>
                 <a:ea typeface="Cambria" panose="02040503050406030204" pitchFamily="18" charset="0"/>
                 <a:cs typeface="Times New Roman" panose="02020603050405020304" pitchFamily="18" charset="0"/>
               </a:rPr>
-              <a:t>(</a:t>
-            </a:r>
-            <a:r>
-              <a:rPr lang="en-US" b="1" dirty="0" err="1">
-                <a:solidFill>
-                  <a:srgbClr val="204A87"/>
-                </a:solidFill>
-                <a:latin typeface="Consolas" panose="020B0609020204030204" pitchFamily="49" charset="0"/>
-                <a:ea typeface="Cambria" panose="02040503050406030204" pitchFamily="18" charset="0"/>
-                <a:cs typeface="Times New Roman" panose="02020603050405020304" pitchFamily="18" charset="0"/>
-              </a:rPr>
-              <a:t>sdf_predict</a:t>
-            </a:r>
-            <a:r>
-              <a:rPr lang="en-US" dirty="0">
-                <a:latin typeface="Consolas" panose="020B0609020204030204" pitchFamily="49" charset="0"/>
-                <a:ea typeface="Cambria" panose="02040503050406030204" pitchFamily="18" charset="0"/>
-                <a:cs typeface="Times New Roman" panose="02020603050405020304" pitchFamily="18" charset="0"/>
-              </a:rPr>
-              <a:t>(fit2, </a:t>
+              <a:t>, </a:t>
             </a:r>
             <a:r>
               <a:rPr lang="en-US" dirty="0" err="1">
@@ -17847,6 +17984,14 @@
               </a:rPr>
               <a:t>)) {</a:t>
             </a:r>
+            <a:r>
+              <a:rPr lang="en-US" sz="2000" dirty="0">
+                <a:latin typeface="Cambria" panose="02040503050406030204" pitchFamily="18" charset="0"/>
+                <a:ea typeface="Cambria" panose="02040503050406030204" pitchFamily="18" charset="0"/>
+                <a:cs typeface="Times New Roman" panose="02020603050405020304" pitchFamily="18" charset="0"/>
+              </a:rPr>
+              <a:t/>
+            </a:r>
             <a:br>
               <a:rPr lang="en-US" sz="2000" dirty="0">
                 <a:latin typeface="Cambria" panose="02040503050406030204" pitchFamily="18" charset="0"/>
@@ -17921,6 +18066,14 @@
                 <a:cs typeface="Times New Roman" panose="02020603050405020304" pitchFamily="18" charset="0"/>
               </a:rPr>
               <a:t>)  </a:t>
+            </a:r>
+            <a:r>
+              <a:rPr lang="en-US" sz="2000" dirty="0">
+                <a:latin typeface="Cambria" panose="02040503050406030204" pitchFamily="18" charset="0"/>
+                <a:ea typeface="Cambria" panose="02040503050406030204" pitchFamily="18" charset="0"/>
+                <a:cs typeface="Times New Roman" panose="02020603050405020304" pitchFamily="18" charset="0"/>
+              </a:rPr>
+              <a:t/>
             </a:r>
             <a:br>
               <a:rPr lang="en-US" sz="2000" dirty="0">
